--- a/GPP_ZombieAI_LastNameFirstName_2DAEXX.pptx
+++ b/GPP_ZombieAI_LastNameFirstName_2DAEXX.pptx
@@ -405,7 +405,7 @@
           <a:p>
             <a:fld id="{82085877-2B37-48E7-8B6D-4D4ED486130A}" type="datetimeFigureOut">
               <a:rPr lang="en-BE" smtClean="0"/>
-              <a:t>11/28/2023</a:t>
+              <a:t>01/16/2024</a:t>
             </a:fld>
             <a:endParaRPr lang="en-BE"/>
           </a:p>
@@ -605,7 +605,7 @@
           <a:p>
             <a:fld id="{82085877-2B37-48E7-8B6D-4D4ED486130A}" type="datetimeFigureOut">
               <a:rPr lang="en-BE" smtClean="0"/>
-              <a:t>11/28/2023</a:t>
+              <a:t>01/16/2024</a:t>
             </a:fld>
             <a:endParaRPr lang="en-BE"/>
           </a:p>
@@ -815,7 +815,7 @@
           <a:p>
             <a:fld id="{82085877-2B37-48E7-8B6D-4D4ED486130A}" type="datetimeFigureOut">
               <a:rPr lang="en-BE" smtClean="0"/>
-              <a:t>11/28/2023</a:t>
+              <a:t>01/16/2024</a:t>
             </a:fld>
             <a:endParaRPr lang="en-BE"/>
           </a:p>
@@ -1015,7 +1015,7 @@
           <a:p>
             <a:fld id="{82085877-2B37-48E7-8B6D-4D4ED486130A}" type="datetimeFigureOut">
               <a:rPr lang="en-BE" smtClean="0"/>
-              <a:t>11/28/2023</a:t>
+              <a:t>01/16/2024</a:t>
             </a:fld>
             <a:endParaRPr lang="en-BE"/>
           </a:p>
@@ -1291,7 +1291,7 @@
           <a:p>
             <a:fld id="{82085877-2B37-48E7-8B6D-4D4ED486130A}" type="datetimeFigureOut">
               <a:rPr lang="en-BE" smtClean="0"/>
-              <a:t>11/28/2023</a:t>
+              <a:t>01/16/2024</a:t>
             </a:fld>
             <a:endParaRPr lang="en-BE"/>
           </a:p>
@@ -1559,7 +1559,7 @@
           <a:p>
             <a:fld id="{82085877-2B37-48E7-8B6D-4D4ED486130A}" type="datetimeFigureOut">
               <a:rPr lang="en-BE" smtClean="0"/>
-              <a:t>11/28/2023</a:t>
+              <a:t>01/16/2024</a:t>
             </a:fld>
             <a:endParaRPr lang="en-BE"/>
           </a:p>
@@ -1974,7 +1974,7 @@
           <a:p>
             <a:fld id="{82085877-2B37-48E7-8B6D-4D4ED486130A}" type="datetimeFigureOut">
               <a:rPr lang="en-BE" smtClean="0"/>
-              <a:t>11/28/2023</a:t>
+              <a:t>01/16/2024</a:t>
             </a:fld>
             <a:endParaRPr lang="en-BE"/>
           </a:p>
@@ -2116,7 +2116,7 @@
           <a:p>
             <a:fld id="{82085877-2B37-48E7-8B6D-4D4ED486130A}" type="datetimeFigureOut">
               <a:rPr lang="en-BE" smtClean="0"/>
-              <a:t>11/28/2023</a:t>
+              <a:t>01/16/2024</a:t>
             </a:fld>
             <a:endParaRPr lang="en-BE"/>
           </a:p>
@@ -2229,7 +2229,7 @@
           <a:p>
             <a:fld id="{82085877-2B37-48E7-8B6D-4D4ED486130A}" type="datetimeFigureOut">
               <a:rPr lang="en-BE" smtClean="0"/>
-              <a:t>11/28/2023</a:t>
+              <a:t>01/16/2024</a:t>
             </a:fld>
             <a:endParaRPr lang="en-BE"/>
           </a:p>
@@ -2542,7 +2542,7 @@
           <a:p>
             <a:fld id="{82085877-2B37-48E7-8B6D-4D4ED486130A}" type="datetimeFigureOut">
               <a:rPr lang="en-BE" smtClean="0"/>
-              <a:t>11/28/2023</a:t>
+              <a:t>01/16/2024</a:t>
             </a:fld>
             <a:endParaRPr lang="en-BE"/>
           </a:p>
@@ -2831,7 +2831,7 @@
           <a:p>
             <a:fld id="{82085877-2B37-48E7-8B6D-4D4ED486130A}" type="datetimeFigureOut">
               <a:rPr lang="en-BE" smtClean="0"/>
-              <a:t>11/28/2023</a:t>
+              <a:t>01/16/2024</a:t>
             </a:fld>
             <a:endParaRPr lang="en-BE"/>
           </a:p>
@@ -3074,7 +3074,7 @@
           <a:p>
             <a:fld id="{82085877-2B37-48E7-8B6D-4D4ED486130A}" type="datetimeFigureOut">
               <a:rPr lang="en-BE" smtClean="0"/>
-              <a:t>11/28/2023</a:t>
+              <a:t>01/16/2024</a:t>
             </a:fld>
             <a:endParaRPr lang="en-BE"/>
           </a:p>
@@ -3541,29 +3541,7 @@
           <a:bodyPr/>
           <a:lstStyle/>
           <a:p>
-            <a:r>
-              <a:rPr lang="en-US" i="1">
-                <a:solidFill>
-                  <a:schemeClr val="bg1">
-                    <a:lumMod val="75000"/>
-                  </a:schemeClr>
-                </a:solidFill>
-              </a:rPr>
-              <a:t>Delete all comments after reading</a:t>
-            </a:r>
-          </a:p>
-          <a:p>
-            <a:r>
-              <a:rPr lang="en-US" i="1">
-                <a:solidFill>
-                  <a:schemeClr val="bg1">
-                    <a:lumMod val="75000"/>
-                  </a:schemeClr>
-                </a:solidFill>
-              </a:rPr>
-              <a:t>You are not allowed to add more slides to this presentation</a:t>
-            </a:r>
-            <a:endParaRPr lang="en-BE" i="1">
+            <a:endParaRPr lang="en-BE" i="1" dirty="0">
               <a:solidFill>
                 <a:schemeClr val="bg1">
                   <a:lumMod val="75000"/>
@@ -4207,7 +4185,7 @@
               <a:buNone/>
             </a:pPr>
             <a:r>
-              <a:rPr lang="en-US">
+              <a:rPr lang="en-US" dirty="0">
                 <a:solidFill>
                   <a:schemeClr val="bg1">
                     <a:lumMod val="75000"/>
@@ -4216,7 +4194,7 @@
               </a:rPr>
               <a:t>Screen shot or list of highest scores</a:t>
             </a:r>
-            <a:endParaRPr lang="en-BE">
+            <a:endParaRPr lang="en-BE" dirty="0">
               <a:solidFill>
                 <a:schemeClr val="bg1">
                   <a:lumMod val="75000"/>
@@ -4226,6 +4204,126 @@
           </a:p>
         </p:txBody>
       </p:sp>
+      <p:pic>
+        <p:nvPicPr>
+          <p:cNvPr id="7" name="Picture 6">
+            <a:extLst>
+              <a:ext uri="{FF2B5EF4-FFF2-40B4-BE49-F238E27FC236}">
+                <a16:creationId xmlns:a16="http://schemas.microsoft.com/office/drawing/2014/main" id="{F0442907-B95D-CF4C-45A4-6B806068EB84}"/>
+              </a:ext>
+            </a:extLst>
+          </p:cNvPr>
+          <p:cNvPicPr>
+            <a:picLocks noChangeAspect="1"/>
+          </p:cNvPicPr>
+          <p:nvPr/>
+        </p:nvPicPr>
+        <p:blipFill>
+          <a:blip r:embed="rId2"/>
+          <a:stretch>
+            <a:fillRect/>
+          </a:stretch>
+        </p:blipFill>
+        <p:spPr>
+          <a:xfrm>
+            <a:off x="8501386" y="3217742"/>
+            <a:ext cx="3218666" cy="3275133"/>
+          </a:xfrm>
+          <a:prstGeom prst="rect">
+            <a:avLst/>
+          </a:prstGeom>
+        </p:spPr>
+      </p:pic>
+      <p:pic>
+        <p:nvPicPr>
+          <p:cNvPr id="9" name="Picture 8">
+            <a:extLst>
+              <a:ext uri="{FF2B5EF4-FFF2-40B4-BE49-F238E27FC236}">
+                <a16:creationId xmlns:a16="http://schemas.microsoft.com/office/drawing/2014/main" id="{751A445B-CBB6-9431-DA98-747EB5782E2A}"/>
+              </a:ext>
+            </a:extLst>
+          </p:cNvPr>
+          <p:cNvPicPr>
+            <a:picLocks noChangeAspect="1"/>
+          </p:cNvPicPr>
+          <p:nvPr/>
+        </p:nvPicPr>
+        <p:blipFill>
+          <a:blip r:embed="rId3"/>
+          <a:stretch>
+            <a:fillRect/>
+          </a:stretch>
+        </p:blipFill>
+        <p:spPr>
+          <a:xfrm>
+            <a:off x="6253317" y="4215478"/>
+            <a:ext cx="2143432" cy="2277397"/>
+          </a:xfrm>
+          <a:prstGeom prst="rect">
+            <a:avLst/>
+          </a:prstGeom>
+        </p:spPr>
+      </p:pic>
+      <p:pic>
+        <p:nvPicPr>
+          <p:cNvPr id="11" name="Picture 10">
+            <a:extLst>
+              <a:ext uri="{FF2B5EF4-FFF2-40B4-BE49-F238E27FC236}">
+                <a16:creationId xmlns:a16="http://schemas.microsoft.com/office/drawing/2014/main" id="{8B703BC1-808C-E899-5140-4C736B462863}"/>
+              </a:ext>
+            </a:extLst>
+          </p:cNvPr>
+          <p:cNvPicPr>
+            <a:picLocks noChangeAspect="1"/>
+          </p:cNvPicPr>
+          <p:nvPr/>
+        </p:nvPicPr>
+        <p:blipFill>
+          <a:blip r:embed="rId4"/>
+          <a:stretch>
+            <a:fillRect/>
+          </a:stretch>
+        </p:blipFill>
+        <p:spPr>
+          <a:xfrm>
+            <a:off x="838200" y="4051030"/>
+            <a:ext cx="2154029" cy="2125933"/>
+          </a:xfrm>
+          <a:prstGeom prst="rect">
+            <a:avLst/>
+          </a:prstGeom>
+        </p:spPr>
+      </p:pic>
+      <p:pic>
+        <p:nvPicPr>
+          <p:cNvPr id="13" name="Picture 12">
+            <a:extLst>
+              <a:ext uri="{FF2B5EF4-FFF2-40B4-BE49-F238E27FC236}">
+                <a16:creationId xmlns:a16="http://schemas.microsoft.com/office/drawing/2014/main" id="{DF11751F-EEBB-0470-BB71-F93C8CBF6A15}"/>
+              </a:ext>
+            </a:extLst>
+          </p:cNvPr>
+          <p:cNvPicPr>
+            <a:picLocks noChangeAspect="1"/>
+          </p:cNvPicPr>
+          <p:nvPr/>
+        </p:nvPicPr>
+        <p:blipFill>
+          <a:blip r:embed="rId5"/>
+          <a:stretch>
+            <a:fillRect/>
+          </a:stretch>
+        </p:blipFill>
+        <p:spPr>
+          <a:xfrm>
+            <a:off x="3548640" y="3097289"/>
+            <a:ext cx="2335600" cy="2379460"/>
+          </a:xfrm>
+          <a:prstGeom prst="rect">
+            <a:avLst/>
+          </a:prstGeom>
+        </p:spPr>
+      </p:pic>
     </p:spTree>
     <p:extLst>
       <p:ext uri="{BB962C8B-B14F-4D97-AF65-F5344CB8AC3E}">
@@ -4544,6 +4642,21 @@
 </file>
 
 <file path=customXml/item2.xml><?xml version="1.0" encoding="utf-8"?>
+<p:properties xmlns:p="http://schemas.microsoft.com/office/2006/metadata/properties" xmlns:xsi="http://www.w3.org/2001/XMLSchema-instance" xmlns:pc="http://schemas.microsoft.com/office/infopath/2007/PartnerControls">
+  <documentManagement>
+    <IconOverlay xmlns="http://schemas.microsoft.com/sharepoint/v4" xsi:nil="true"/>
+    <TaxCatchAll xmlns="128482ec-0431-40d5-ab26-89ea2a4f3ccd" xsi:nil="true"/>
+    <m99485b88215436a82099f8287cba0b0 xmlns="128482ec-0431-40d5-ab26-89ea2a4f3ccd">
+      <Terms xmlns="http://schemas.microsoft.com/office/infopath/2007/PartnerControls"/>
+    </m99485b88215436a82099f8287cba0b0>
+    <lcf76f155ced4ddcb4097134ff3c332f xmlns="60eb0cf4-ae2a-4762-800a-cb593b869ecb">
+      <Terms xmlns="http://schemas.microsoft.com/office/infopath/2007/PartnerControls"/>
+    </lcf76f155ced4ddcb4097134ff3c332f>
+  </documentManagement>
+</p:properties>
+</file>
+
+<file path=customXml/item3.xml><?xml version="1.0" encoding="utf-8"?>
 <ct:contentTypeSchema xmlns:ct="http://schemas.microsoft.com/office/2006/metadata/contentType" xmlns:ma="http://schemas.microsoft.com/office/2006/metadata/properties/metaAttributes" ct:_="" ma:_="" ma:contentTypeName="Document" ma:contentTypeID="0x010100723942CCEB3A674D8F1F6472CCEFB38E" ma:contentTypeVersion="11" ma:contentTypeDescription="Create a new document." ma:contentTypeScope="" ma:versionID="e4de40d148e029d40e3aaddc8bf68a5e">
   <xsd:schema xmlns:xsd="http://www.w3.org/2001/XMLSchema" xmlns:xs="http://www.w3.org/2001/XMLSchema" xmlns:p="http://schemas.microsoft.com/office/2006/metadata/properties" xmlns:ns2="128482ec-0431-40d5-ab26-89ea2a4f3ccd" xmlns:ns3="60eb0cf4-ae2a-4762-800a-cb593b869ecb" xmlns:ns4="http://schemas.microsoft.com/sharepoint/v4" xmlns:ns5="a2e691a9-fcfc-4d85-a390-1894fe98bd9e" targetNamespace="http://schemas.microsoft.com/office/2006/metadata/properties" ma:root="true" ma:fieldsID="fce8e8bd091658f3fe51b22d57dec109" ns2:_="" ns3:_="" ns4:_="" ns5:_="">
     <xsd:import namespace="128482ec-0431-40d5-ab26-89ea2a4f3ccd"/>
@@ -4816,21 +4929,6 @@
 </ct:contentTypeSchema>
 </file>
 
-<file path=customXml/item3.xml><?xml version="1.0" encoding="utf-8"?>
-<p:properties xmlns:p="http://schemas.microsoft.com/office/2006/metadata/properties" xmlns:xsi="http://www.w3.org/2001/XMLSchema-instance" xmlns:pc="http://schemas.microsoft.com/office/infopath/2007/PartnerControls">
-  <documentManagement>
-    <IconOverlay xmlns="http://schemas.microsoft.com/sharepoint/v4" xsi:nil="true"/>
-    <TaxCatchAll xmlns="128482ec-0431-40d5-ab26-89ea2a4f3ccd" xsi:nil="true"/>
-    <m99485b88215436a82099f8287cba0b0 xmlns="128482ec-0431-40d5-ab26-89ea2a4f3ccd">
-      <Terms xmlns="http://schemas.microsoft.com/office/infopath/2007/PartnerControls"/>
-    </m99485b88215436a82099f8287cba0b0>
-    <lcf76f155ced4ddcb4097134ff3c332f xmlns="60eb0cf4-ae2a-4762-800a-cb593b869ecb">
-      <Terms xmlns="http://schemas.microsoft.com/office/infopath/2007/PartnerControls"/>
-    </lcf76f155ced4ddcb4097134ff3c332f>
-  </documentManagement>
-</p:properties>
-</file>
-
 <file path=customXml/itemProps1.xml><?xml version="1.0" encoding="utf-8"?>
 <ds:datastoreItem xmlns:ds="http://schemas.openxmlformats.org/officeDocument/2006/customXml" ds:itemID="{AF8EC6D1-CB19-4400-AD0A-0C75CD884AEA}">
   <ds:schemaRefs>
@@ -4840,6 +4938,18 @@
 </file>
 
 <file path=customXml/itemProps2.xml><?xml version="1.0" encoding="utf-8"?>
+<ds:datastoreItem xmlns:ds="http://schemas.openxmlformats.org/officeDocument/2006/customXml" ds:itemID="{B743389A-7EE0-4951-8919-E91DD69E3687}">
+  <ds:schemaRefs>
+    <ds:schemaRef ds:uri="128482ec-0431-40d5-ab26-89ea2a4f3ccd"/>
+    <ds:schemaRef ds:uri="http://schemas.microsoft.com/office/2006/metadata/properties"/>
+    <ds:schemaRef ds:uri="http://schemas.microsoft.com/office/infopath/2007/PartnerControls"/>
+    <ds:schemaRef ds:uri="http://schemas.microsoft.com/sharepoint/v4"/>
+    <ds:schemaRef ds:uri="60eb0cf4-ae2a-4762-800a-cb593b869ecb"/>
+  </ds:schemaRefs>
+</ds:datastoreItem>
+</file>
+
+<file path=customXml/itemProps3.xml><?xml version="1.0" encoding="utf-8"?>
 <ds:datastoreItem xmlns:ds="http://schemas.openxmlformats.org/officeDocument/2006/customXml" ds:itemID="{D7B8C5DE-3345-4025-A942-C5AA68E55545}">
   <ds:schemaRefs>
     <ds:schemaRef ds:uri="http://schemas.microsoft.com/office/2006/metadata/contentType"/>
@@ -4858,16 +4968,4 @@
     <ds:schemaRef ds:uri="http://schemas.microsoft.com/internal/obd"/>
   </ds:schemaRefs>
 </ds:datastoreItem>
-</file>
-
-<file path=customXml/itemProps3.xml><?xml version="1.0" encoding="utf-8"?>
-<ds:datastoreItem xmlns:ds="http://schemas.openxmlformats.org/officeDocument/2006/customXml" ds:itemID="{B743389A-7EE0-4951-8919-E91DD69E3687}">
-  <ds:schemaRefs>
-    <ds:schemaRef ds:uri="128482ec-0431-40d5-ab26-89ea2a4f3ccd"/>
-    <ds:schemaRef ds:uri="http://schemas.microsoft.com/office/2006/metadata/properties"/>
-    <ds:schemaRef ds:uri="http://schemas.microsoft.com/office/infopath/2007/PartnerControls"/>
-    <ds:schemaRef ds:uri="http://schemas.microsoft.com/sharepoint/v4"/>
-    <ds:schemaRef ds:uri="60eb0cf4-ae2a-4762-800a-cb593b869ecb"/>
-  </ds:schemaRefs>
-</ds:datastoreItem>
 </file>
--- a/GPP_ZombieAI_LastNameFirstName_2DAEXX.pptx
+++ b/GPP_ZombieAI_LastNameFirstName_2DAEXX.pptx
@@ -4236,10 +4236,10 @@
       </p:pic>
       <p:pic>
         <p:nvPicPr>
-          <p:cNvPr id="9" name="Picture 8">
-            <a:extLst>
-              <a:ext uri="{FF2B5EF4-FFF2-40B4-BE49-F238E27FC236}">
-                <a16:creationId xmlns:a16="http://schemas.microsoft.com/office/drawing/2014/main" id="{751A445B-CBB6-9431-DA98-747EB5782E2A}"/>
+          <p:cNvPr id="11" name="Picture 10">
+            <a:extLst>
+              <a:ext uri="{FF2B5EF4-FFF2-40B4-BE49-F238E27FC236}">
+                <a16:creationId xmlns:a16="http://schemas.microsoft.com/office/drawing/2014/main" id="{8B703BC1-808C-E899-5140-4C736B462863}"/>
               </a:ext>
             </a:extLst>
           </p:cNvPr>
@@ -4250,36 +4250,6 @@
         </p:nvPicPr>
         <p:blipFill>
           <a:blip r:embed="rId3"/>
-          <a:stretch>
-            <a:fillRect/>
-          </a:stretch>
-        </p:blipFill>
-        <p:spPr>
-          <a:xfrm>
-            <a:off x="6253317" y="4215478"/>
-            <a:ext cx="2143432" cy="2277397"/>
-          </a:xfrm>
-          <a:prstGeom prst="rect">
-            <a:avLst/>
-          </a:prstGeom>
-        </p:spPr>
-      </p:pic>
-      <p:pic>
-        <p:nvPicPr>
-          <p:cNvPr id="11" name="Picture 10">
-            <a:extLst>
-              <a:ext uri="{FF2B5EF4-FFF2-40B4-BE49-F238E27FC236}">
-                <a16:creationId xmlns:a16="http://schemas.microsoft.com/office/drawing/2014/main" id="{8B703BC1-808C-E899-5140-4C736B462863}"/>
-              </a:ext>
-            </a:extLst>
-          </p:cNvPr>
-          <p:cNvPicPr>
-            <a:picLocks noChangeAspect="1"/>
-          </p:cNvPicPr>
-          <p:nvPr/>
-        </p:nvPicPr>
-        <p:blipFill>
-          <a:blip r:embed="rId4"/>
           <a:stretch>
             <a:fillRect/>
           </a:stretch>
@@ -4309,7 +4279,7 @@
           <p:nvPr/>
         </p:nvPicPr>
         <p:blipFill>
-          <a:blip r:embed="rId5"/>
+          <a:blip r:embed="rId4"/>
           <a:stretch>
             <a:fillRect/>
           </a:stretch>
@@ -4318,6 +4288,36 @@
           <a:xfrm>
             <a:off x="3548640" y="3097289"/>
             <a:ext cx="2335600" cy="2379460"/>
+          </a:xfrm>
+          <a:prstGeom prst="rect">
+            <a:avLst/>
+          </a:prstGeom>
+        </p:spPr>
+      </p:pic>
+      <p:pic>
+        <p:nvPicPr>
+          <p:cNvPr id="5" name="Picture 4">
+            <a:extLst>
+              <a:ext uri="{FF2B5EF4-FFF2-40B4-BE49-F238E27FC236}">
+                <a16:creationId xmlns:a16="http://schemas.microsoft.com/office/drawing/2014/main" id="{FA17BD4F-4677-1151-225E-90AF6DF3EDB2}"/>
+              </a:ext>
+            </a:extLst>
+          </p:cNvPr>
+          <p:cNvPicPr>
+            <a:picLocks noChangeAspect="1"/>
+          </p:cNvPicPr>
+          <p:nvPr/>
+        </p:nvPicPr>
+        <p:blipFill>
+          <a:blip r:embed="rId5"/>
+          <a:stretch>
+            <a:fillRect/>
+          </a:stretch>
+        </p:blipFill>
+        <p:spPr>
+          <a:xfrm>
+            <a:off x="5999903" y="2983936"/>
+            <a:ext cx="1966130" cy="2034716"/>
           </a:xfrm>
           <a:prstGeom prst="rect">
             <a:avLst/>
@@ -4633,15 +4633,6 @@
 </file>
 
 <file path=customXml/item1.xml><?xml version="1.0" encoding="utf-8"?>
-<?mso-contentType ?>
-<FormTemplates xmlns="http://schemas.microsoft.com/sharepoint/v3/contenttype/forms">
-  <Display>DocumentLibraryForm</Display>
-  <Edit>DocumentLibraryForm</Edit>
-  <New>DocumentLibraryForm</New>
-</FormTemplates>
-</file>
-
-<file path=customXml/item2.xml><?xml version="1.0" encoding="utf-8"?>
 <p:properties xmlns:p="http://schemas.microsoft.com/office/2006/metadata/properties" xmlns:xsi="http://www.w3.org/2001/XMLSchema-instance" xmlns:pc="http://schemas.microsoft.com/office/infopath/2007/PartnerControls">
   <documentManagement>
     <IconOverlay xmlns="http://schemas.microsoft.com/sharepoint/v4" xsi:nil="true"/>
@@ -4654,6 +4645,15 @@
     </lcf76f155ced4ddcb4097134ff3c332f>
   </documentManagement>
 </p:properties>
+</file>
+
+<file path=customXml/item2.xml><?xml version="1.0" encoding="utf-8"?>
+<?mso-contentType ?>
+<FormTemplates xmlns="http://schemas.microsoft.com/sharepoint/v3/contenttype/forms">
+  <Display>DocumentLibraryForm</Display>
+  <Edit>DocumentLibraryForm</Edit>
+  <New>DocumentLibraryForm</New>
+</FormTemplates>
 </file>
 
 <file path=customXml/item3.xml><?xml version="1.0" encoding="utf-8"?>
@@ -4930,14 +4930,6 @@
 </file>
 
 <file path=customXml/itemProps1.xml><?xml version="1.0" encoding="utf-8"?>
-<ds:datastoreItem xmlns:ds="http://schemas.openxmlformats.org/officeDocument/2006/customXml" ds:itemID="{AF8EC6D1-CB19-4400-AD0A-0C75CD884AEA}">
-  <ds:schemaRefs>
-    <ds:schemaRef ds:uri="http://schemas.microsoft.com/sharepoint/v3/contenttype/forms"/>
-  </ds:schemaRefs>
-</ds:datastoreItem>
-</file>
-
-<file path=customXml/itemProps2.xml><?xml version="1.0" encoding="utf-8"?>
 <ds:datastoreItem xmlns:ds="http://schemas.openxmlformats.org/officeDocument/2006/customXml" ds:itemID="{B743389A-7EE0-4951-8919-E91DD69E3687}">
   <ds:schemaRefs>
     <ds:schemaRef ds:uri="128482ec-0431-40d5-ab26-89ea2a4f3ccd"/>
@@ -4945,6 +4937,14 @@
     <ds:schemaRef ds:uri="http://schemas.microsoft.com/office/infopath/2007/PartnerControls"/>
     <ds:schemaRef ds:uri="http://schemas.microsoft.com/sharepoint/v4"/>
     <ds:schemaRef ds:uri="60eb0cf4-ae2a-4762-800a-cb593b869ecb"/>
+  </ds:schemaRefs>
+</ds:datastoreItem>
+</file>
+
+<file path=customXml/itemProps2.xml><?xml version="1.0" encoding="utf-8"?>
+<ds:datastoreItem xmlns:ds="http://schemas.openxmlformats.org/officeDocument/2006/customXml" ds:itemID="{AF8EC6D1-CB19-4400-AD0A-0C75CD884AEA}">
+  <ds:schemaRefs>
+    <ds:schemaRef ds:uri="http://schemas.microsoft.com/sharepoint/v3/contenttype/forms"/>
   </ds:schemaRefs>
 </ds:datastoreItem>
 </file>

--- a/GPP_ZombieAI_LastNameFirstName_2DAEXX.pptx
+++ b/GPP_ZombieAI_LastNameFirstName_2DAEXX.pptx
@@ -3541,7 +3541,17 @@
           <a:bodyPr/>
           <a:lstStyle/>
           <a:p>
-            <a:endParaRPr lang="en-BE" i="1" dirty="0">
+            <a:r>
+              <a:rPr lang="en-US" dirty="0">
+                <a:solidFill>
+                  <a:schemeClr val="bg1">
+                    <a:lumMod val="75000"/>
+                  </a:schemeClr>
+                </a:solidFill>
+              </a:rPr>
+              <a:t>Revekka Andronikidu | 2DAE09</a:t>
+            </a:r>
+            <a:endParaRPr lang="en-BE" dirty="0">
               <a:solidFill>
                 <a:schemeClr val="bg1">
                   <a:lumMod val="75000"/>
@@ -3631,29 +3641,6 @@
           <a:bodyPr/>
           <a:lstStyle/>
           <a:p>
-            <a:r>
-              <a:rPr lang="en-US" i="1" dirty="0">
-                <a:solidFill>
-                  <a:schemeClr val="bg1">
-                    <a:lumMod val="75000"/>
-                  </a:schemeClr>
-                </a:solidFill>
-              </a:rPr>
-              <a:t>Visualization of your decision making structure (readable!)</a:t>
-            </a:r>
-          </a:p>
-          <a:p>
-            <a:pPr lvl="1"/>
-            <a:r>
-              <a:rPr lang="en-US" i="1" dirty="0">
-                <a:solidFill>
-                  <a:schemeClr val="bg1">
-                    <a:lumMod val="75000"/>
-                  </a:schemeClr>
-                </a:solidFill>
-              </a:rPr>
-              <a:t>Tip: use miro.com!</a:t>
-            </a:r>
             <a:endParaRPr lang="en-BE" i="1" dirty="0">
               <a:solidFill>
                 <a:schemeClr val="bg1">
@@ -3664,6 +3651,36 @@
           </a:p>
         </p:txBody>
       </p:sp>
+      <p:pic>
+        <p:nvPicPr>
+          <p:cNvPr id="7" name="Picture 6">
+            <a:extLst>
+              <a:ext uri="{FF2B5EF4-FFF2-40B4-BE49-F238E27FC236}">
+                <a16:creationId xmlns:a16="http://schemas.microsoft.com/office/drawing/2014/main" id="{A662B37D-6DA4-3A49-CF03-0165B21D4BE1}"/>
+              </a:ext>
+            </a:extLst>
+          </p:cNvPr>
+          <p:cNvPicPr>
+            <a:picLocks noChangeAspect="1"/>
+          </p:cNvPicPr>
+          <p:nvPr/>
+        </p:nvPicPr>
+        <p:blipFill>
+          <a:blip r:embed="rId2"/>
+          <a:stretch>
+            <a:fillRect/>
+          </a:stretch>
+        </p:blipFill>
+        <p:spPr>
+          <a:xfrm>
+            <a:off x="254764" y="1444525"/>
+            <a:ext cx="11682472" cy="4823878"/>
+          </a:xfrm>
+          <a:prstGeom prst="rect">
+            <a:avLst/>
+          </a:prstGeom>
+        </p:spPr>
+      </p:pic>
     </p:spTree>
     <p:extLst>
       <p:ext uri="{BB962C8B-B14F-4D97-AF65-F5344CB8AC3E}">
@@ -3739,44 +3756,109 @@
             <p:ph idx="1"/>
           </p:nvPr>
         </p:nvSpPr>
-        <p:spPr/>
-        <p:txBody>
-          <a:bodyPr/>
-          <a:lstStyle/>
-          <a:p>
-            <a:r>
-              <a:rPr lang="en-US" i="1">
-                <a:solidFill>
-                  <a:schemeClr val="bg1">
-                    <a:lumMod val="75000"/>
-                  </a:schemeClr>
-                </a:solidFill>
-              </a:rPr>
-              <a:t>How does your agent deal with enemies (aiming, shooting, item usage, avoidance, hiding, usage of sprint, …)?</a:t>
-            </a:r>
-            <a:endParaRPr lang="en-BE" i="1">
-              <a:solidFill>
-                <a:schemeClr val="bg1">
-                  <a:lumMod val="75000"/>
-                </a:schemeClr>
-              </a:solidFill>
-            </a:endParaRPr>
-          </a:p>
-          <a:p>
-            <a:r>
-              <a:rPr lang="en-US" i="1">
-                <a:solidFill>
-                  <a:schemeClr val="bg1">
-                    <a:lumMod val="75000"/>
-                  </a:schemeClr>
-                </a:solidFill>
-              </a:rPr>
-              <a:t>USE IMAGES/GIFS</a:t>
-            </a:r>
-            <a:endParaRPr lang="en-BE"/>
-          </a:p>
-        </p:txBody>
-      </p:sp>
+        <p:spPr>
+          <a:xfrm>
+            <a:off x="838200" y="1578737"/>
+            <a:ext cx="7857744" cy="4351338"/>
+          </a:xfrm>
+        </p:spPr>
+        <p:txBody>
+          <a:bodyPr>
+            <a:normAutofit/>
+          </a:bodyPr>
+          <a:lstStyle/>
+          <a:p>
+            <a:r>
+              <a:rPr lang="en-US" sz="2400" dirty="0"/>
+              <a:t>Face enemy and shoot when orientation and desired direction difference &lt; margin</a:t>
+            </a:r>
+          </a:p>
+          <a:p>
+            <a:r>
+              <a:rPr lang="en-US" sz="2400" dirty="0"/>
+              <a:t>Prefers shot gun for faster enemies, pistol for slower ones</a:t>
+            </a:r>
+          </a:p>
+          <a:p>
+            <a:r>
+              <a:rPr lang="en-US" sz="2400" dirty="0"/>
+              <a:t>No gun = hides in closest house or flees</a:t>
+            </a:r>
+            <a:endParaRPr lang="en-BE" sz="2400" dirty="0"/>
+          </a:p>
+        </p:txBody>
+      </p:sp>
+      <p:pic>
+        <p:nvPicPr>
+          <p:cNvPr id="13" name="Picture 12" descr="A screenshot of a computer&#10;&#10;Description automatically generated">
+            <a:extLst>
+              <a:ext uri="{FF2B5EF4-FFF2-40B4-BE49-F238E27FC236}">
+                <a16:creationId xmlns:a16="http://schemas.microsoft.com/office/drawing/2014/main" id="{B8A9E97C-AD50-BA13-A1EF-D6BC945702FE}"/>
+              </a:ext>
+            </a:extLst>
+          </p:cNvPr>
+          <p:cNvPicPr>
+            <a:picLocks noChangeAspect="1"/>
+          </p:cNvPicPr>
+          <p:nvPr/>
+        </p:nvPicPr>
+        <p:blipFill>
+          <a:blip r:embed="rId2">
+            <a:extLst>
+              <a:ext uri="{28A0092B-C50C-407E-A947-70E740481C1C}">
+                <a14:useLocalDpi xmlns:a14="http://schemas.microsoft.com/office/drawing/2010/main" val="0"/>
+              </a:ext>
+            </a:extLst>
+          </a:blip>
+          <a:stretch>
+            <a:fillRect/>
+          </a:stretch>
+        </p:blipFill>
+        <p:spPr>
+          <a:xfrm>
+            <a:off x="1503076" y="3282102"/>
+            <a:ext cx="5866850" cy="3298798"/>
+          </a:xfrm>
+          <a:prstGeom prst="rect">
+            <a:avLst/>
+          </a:prstGeom>
+        </p:spPr>
+      </p:pic>
+      <p:pic>
+        <p:nvPicPr>
+          <p:cNvPr id="15" name="Picture 14" descr="A screenshot of a computer&#10;&#10;Description automatically generated">
+            <a:extLst>
+              <a:ext uri="{FF2B5EF4-FFF2-40B4-BE49-F238E27FC236}">
+                <a16:creationId xmlns:a16="http://schemas.microsoft.com/office/drawing/2014/main" id="{97C4E2E1-9508-30FA-480A-FF0E8126A292}"/>
+              </a:ext>
+            </a:extLst>
+          </p:cNvPr>
+          <p:cNvPicPr>
+            <a:picLocks noChangeAspect="1"/>
+          </p:cNvPicPr>
+          <p:nvPr/>
+        </p:nvPicPr>
+        <p:blipFill rotWithShape="1">
+          <a:blip r:embed="rId3">
+            <a:extLst>
+              <a:ext uri="{28A0092B-C50C-407E-A947-70E740481C1C}">
+                <a14:useLocalDpi xmlns:a14="http://schemas.microsoft.com/office/drawing/2010/main" val="0"/>
+              </a:ext>
+            </a:extLst>
+          </a:blip>
+          <a:srcRect t="969" r="40789" b="7211"/>
+          <a:stretch/>
+        </p:blipFill>
+        <p:spPr>
+          <a:xfrm>
+            <a:off x="7900141" y="2836876"/>
+            <a:ext cx="3776747" cy="3304400"/>
+          </a:xfrm>
+          <a:prstGeom prst="rect">
+            <a:avLst/>
+          </a:prstGeom>
+        </p:spPr>
+      </p:pic>
     </p:spTree>
     <p:extLst>
       <p:ext uri="{BB962C8B-B14F-4D97-AF65-F5344CB8AC3E}">
@@ -3829,10 +3911,10 @@
           <a:lstStyle/>
           <a:p>
             <a:r>
-              <a:rPr lang="en-US"/>
+              <a:rPr lang="en-US" dirty="0"/>
               <a:t>Inventory</a:t>
             </a:r>
-            <a:endParaRPr lang="en-BE"/>
+            <a:endParaRPr lang="en-BE" dirty="0"/>
           </a:p>
         </p:txBody>
       </p:sp>
@@ -3852,34 +3934,134 @@
             <p:ph idx="1"/>
           </p:nvPr>
         </p:nvSpPr>
-        <p:spPr/>
-        <p:txBody>
-          <a:bodyPr/>
-          <a:lstStyle/>
-          <a:p>
-            <a:r>
-              <a:rPr lang="en-US" i="1" dirty="0">
-                <a:solidFill>
-                  <a:schemeClr val="bg1">
-                    <a:lumMod val="75000"/>
-                  </a:schemeClr>
-                </a:solidFill>
-              </a:rPr>
-              <a:t>How does your agent manage the inventory (inventory organization, item usage, picking up and remembering items,…)? </a:t>
-            </a:r>
-            <a:endParaRPr lang="en-BE" i="1" dirty="0">
-              <a:solidFill>
-                <a:schemeClr val="bg1">
-                  <a:lumMod val="75000"/>
-                </a:schemeClr>
-              </a:solidFill>
-            </a:endParaRPr>
+        <p:spPr>
+          <a:xfrm>
+            <a:off x="4572000" y="1690688"/>
+            <a:ext cx="6967728" cy="4351338"/>
+          </a:xfrm>
+        </p:spPr>
+        <p:txBody>
+          <a:bodyPr/>
+          <a:lstStyle/>
+          <a:p>
+            <a:r>
+              <a:rPr lang="en-US" sz="2400" dirty="0"/>
+              <a:t>Takes only item needed (destroys garbage)</a:t>
+            </a:r>
+          </a:p>
+          <a:p>
+            <a:r>
+              <a:rPr lang="en-US" sz="2400" dirty="0"/>
+              <a:t>Remembers location of the others</a:t>
+            </a:r>
+          </a:p>
+          <a:p>
+            <a:r>
+              <a:rPr lang="en-US" sz="2400" dirty="0"/>
+              <a:t>Seek closest remembered item when needed</a:t>
+            </a:r>
+          </a:p>
+          <a:p>
+            <a:pPr marL="0" indent="0">
+              <a:buNone/>
+            </a:pPr>
+            <a:endParaRPr lang="en-US" sz="2400" dirty="0"/>
           </a:p>
           <a:p>
             <a:endParaRPr lang="en-BE" dirty="0"/>
           </a:p>
         </p:txBody>
       </p:sp>
+      <p:pic>
+        <p:nvPicPr>
+          <p:cNvPr id="7" name="Picture 6">
+            <a:extLst>
+              <a:ext uri="{FF2B5EF4-FFF2-40B4-BE49-F238E27FC236}">
+                <a16:creationId xmlns:a16="http://schemas.microsoft.com/office/drawing/2014/main" id="{87DC64C3-37BC-C231-AEB3-D45007ADE9F4}"/>
+              </a:ext>
+            </a:extLst>
+          </p:cNvPr>
+          <p:cNvPicPr>
+            <a:picLocks noChangeAspect="1"/>
+          </p:cNvPicPr>
+          <p:nvPr/>
+        </p:nvPicPr>
+        <p:blipFill>
+          <a:blip r:embed="rId2"/>
+          <a:stretch>
+            <a:fillRect/>
+          </a:stretch>
+        </p:blipFill>
+        <p:spPr>
+          <a:xfrm>
+            <a:off x="508853" y="1690688"/>
+            <a:ext cx="3749365" cy="4213264"/>
+          </a:xfrm>
+          <a:prstGeom prst="rect">
+            <a:avLst/>
+          </a:prstGeom>
+        </p:spPr>
+      </p:pic>
+      <p:pic>
+        <p:nvPicPr>
+          <p:cNvPr id="9" name="Picture 8">
+            <a:extLst>
+              <a:ext uri="{FF2B5EF4-FFF2-40B4-BE49-F238E27FC236}">
+                <a16:creationId xmlns:a16="http://schemas.microsoft.com/office/drawing/2014/main" id="{601E9EA0-5ACD-59D6-7C02-0BFFBCA09EF2}"/>
+              </a:ext>
+            </a:extLst>
+          </p:cNvPr>
+          <p:cNvPicPr>
+            <a:picLocks noChangeAspect="1"/>
+          </p:cNvPicPr>
+          <p:nvPr/>
+        </p:nvPicPr>
+        <p:blipFill>
+          <a:blip r:embed="rId3"/>
+          <a:stretch>
+            <a:fillRect/>
+          </a:stretch>
+        </p:blipFill>
+        <p:spPr>
+          <a:xfrm>
+            <a:off x="4419934" y="3170699"/>
+            <a:ext cx="5761219" cy="1996613"/>
+          </a:xfrm>
+          <a:prstGeom prst="rect">
+            <a:avLst/>
+          </a:prstGeom>
+        </p:spPr>
+      </p:pic>
+      <p:pic>
+        <p:nvPicPr>
+          <p:cNvPr id="11" name="Picture 10">
+            <a:extLst>
+              <a:ext uri="{FF2B5EF4-FFF2-40B4-BE49-F238E27FC236}">
+                <a16:creationId xmlns:a16="http://schemas.microsoft.com/office/drawing/2014/main" id="{B1A6A595-BD83-8CB1-DB28-E82EFB0DD473}"/>
+              </a:ext>
+            </a:extLst>
+          </p:cNvPr>
+          <p:cNvPicPr>
+            <a:picLocks noChangeAspect="1"/>
+          </p:cNvPicPr>
+          <p:nvPr/>
+        </p:nvPicPr>
+        <p:blipFill>
+          <a:blip r:embed="rId4"/>
+          <a:stretch>
+            <a:fillRect/>
+          </a:stretch>
+        </p:blipFill>
+        <p:spPr>
+          <a:xfrm>
+            <a:off x="4419934" y="5333388"/>
+            <a:ext cx="3871295" cy="937341"/>
+          </a:xfrm>
+          <a:prstGeom prst="rect">
+            <a:avLst/>
+          </a:prstGeom>
+        </p:spPr>
+      </p:pic>
     </p:spTree>
     <p:extLst>
       <p:ext uri="{BB962C8B-B14F-4D97-AF65-F5344CB8AC3E}">
@@ -3939,53 +4121,96 @@
           </a:p>
         </p:txBody>
       </p:sp>
-      <p:sp>
-        <p:nvSpPr>
-          <p:cNvPr id="3" name="Content Placeholder 2">
-            <a:extLst>
-              <a:ext uri="{FF2B5EF4-FFF2-40B4-BE49-F238E27FC236}">
-                <a16:creationId xmlns:a16="http://schemas.microsoft.com/office/drawing/2014/main" id="{64915428-ACD8-4B22-96DC-2806680ED3AB}"/>
-              </a:ext>
-            </a:extLst>
-          </p:cNvPr>
-          <p:cNvSpPr>
-            <a:spLocks noGrp="1"/>
-          </p:cNvSpPr>
-          <p:nvPr>
-            <p:ph idx="1"/>
-          </p:nvPr>
-        </p:nvSpPr>
-        <p:spPr/>
-        <p:txBody>
-          <a:bodyPr/>
-          <a:lstStyle/>
-          <a:p>
-            <a:r>
-              <a:rPr lang="en-US" i="1" dirty="0">
-                <a:solidFill>
-                  <a:schemeClr val="bg1">
-                    <a:lumMod val="75000"/>
-                  </a:schemeClr>
-                </a:solidFill>
-              </a:rPr>
-              <a:t>How many steering behaviors does it use? Does it use blended steering?</a:t>
-            </a:r>
-            <a:endParaRPr lang="en-BE" i="1" dirty="0">
-              <a:solidFill>
-                <a:schemeClr val="bg1">
-                  <a:lumMod val="75000"/>
-                </a:schemeClr>
-              </a:solidFill>
-            </a:endParaRPr>
-          </a:p>
-          <a:p>
-            <a:pPr marL="0" indent="0">
-              <a:buNone/>
-            </a:pPr>
-            <a:endParaRPr lang="en-BE" dirty="0"/>
-          </a:p>
-        </p:txBody>
-      </p:sp>
+      <p:pic>
+        <p:nvPicPr>
+          <p:cNvPr id="9" name="Picture 8">
+            <a:extLst>
+              <a:ext uri="{FF2B5EF4-FFF2-40B4-BE49-F238E27FC236}">
+                <a16:creationId xmlns:a16="http://schemas.microsoft.com/office/drawing/2014/main" id="{E652CBE7-A37C-DA41-2D63-1F816421BB50}"/>
+              </a:ext>
+            </a:extLst>
+          </p:cNvPr>
+          <p:cNvPicPr>
+            <a:picLocks noChangeAspect="1"/>
+          </p:cNvPicPr>
+          <p:nvPr/>
+        </p:nvPicPr>
+        <p:blipFill>
+          <a:blip r:embed="rId2"/>
+          <a:stretch>
+            <a:fillRect/>
+          </a:stretch>
+        </p:blipFill>
+        <p:spPr>
+          <a:xfrm>
+            <a:off x="6582903" y="1514639"/>
+            <a:ext cx="4989313" cy="3227159"/>
+          </a:xfrm>
+          <a:prstGeom prst="rect">
+            <a:avLst/>
+          </a:prstGeom>
+        </p:spPr>
+      </p:pic>
+      <p:pic>
+        <p:nvPicPr>
+          <p:cNvPr id="11" name="Picture 10">
+            <a:extLst>
+              <a:ext uri="{FF2B5EF4-FFF2-40B4-BE49-F238E27FC236}">
+                <a16:creationId xmlns:a16="http://schemas.microsoft.com/office/drawing/2014/main" id="{88E87D19-5FF8-2983-C5ED-7880143B69FB}"/>
+              </a:ext>
+            </a:extLst>
+          </p:cNvPr>
+          <p:cNvPicPr>
+            <a:picLocks noChangeAspect="1"/>
+          </p:cNvPicPr>
+          <p:nvPr/>
+        </p:nvPicPr>
+        <p:blipFill>
+          <a:blip r:embed="rId3"/>
+          <a:stretch>
+            <a:fillRect/>
+          </a:stretch>
+        </p:blipFill>
+        <p:spPr>
+          <a:xfrm>
+            <a:off x="619784" y="4340995"/>
+            <a:ext cx="5585944" cy="1684166"/>
+          </a:xfrm>
+          <a:prstGeom prst="rect">
+            <a:avLst/>
+          </a:prstGeom>
+        </p:spPr>
+      </p:pic>
+      <p:pic>
+        <p:nvPicPr>
+          <p:cNvPr id="13" name="Picture 12">
+            <a:extLst>
+              <a:ext uri="{FF2B5EF4-FFF2-40B4-BE49-F238E27FC236}">
+                <a16:creationId xmlns:a16="http://schemas.microsoft.com/office/drawing/2014/main" id="{5C251F38-2715-335E-BF8F-95CEE7815144}"/>
+              </a:ext>
+            </a:extLst>
+          </p:cNvPr>
+          <p:cNvPicPr>
+            <a:picLocks noChangeAspect="1"/>
+          </p:cNvPicPr>
+          <p:nvPr/>
+        </p:nvPicPr>
+        <p:blipFill>
+          <a:blip r:embed="rId4"/>
+          <a:stretch>
+            <a:fillRect/>
+          </a:stretch>
+        </p:blipFill>
+        <p:spPr>
+          <a:xfrm>
+            <a:off x="619784" y="1554722"/>
+            <a:ext cx="4989313" cy="1924565"/>
+          </a:xfrm>
+          <a:prstGeom prst="rect">
+            <a:avLst/>
+          </a:prstGeom>
+        </p:spPr>
+      </p:pic>
     </p:spTree>
     <p:extLst>
       <p:ext uri="{BB962C8B-B14F-4D97-AF65-F5344CB8AC3E}">
@@ -4065,39 +4290,300 @@
             <p:ph idx="1"/>
           </p:nvPr>
         </p:nvSpPr>
-        <p:spPr/>
-        <p:txBody>
-          <a:bodyPr/>
-          <a:lstStyle/>
-          <a:p>
-            <a:r>
-              <a:rPr lang="en-US" i="1" dirty="0">
+        <p:spPr>
+          <a:xfrm>
+            <a:off x="838200" y="1690688"/>
+            <a:ext cx="5800344" cy="1478820"/>
+          </a:xfrm>
+        </p:spPr>
+        <p:txBody>
+          <a:bodyPr/>
+          <a:lstStyle/>
+          <a:p>
+            <a:r>
+              <a:rPr lang="en-US" dirty="0"/>
+              <a:t>Every house in FOV saved in memory</a:t>
+            </a:r>
+          </a:p>
+          <a:p>
+            <a:r>
+              <a:rPr lang="en-US" dirty="0"/>
+              <a:t>Agent visits closest house from memory that was not searched yet</a:t>
+            </a:r>
+          </a:p>
+          <a:p>
+            <a:endParaRPr lang="en-US" dirty="0"/>
+          </a:p>
+        </p:txBody>
+      </p:sp>
+      <p:pic>
+        <p:nvPicPr>
+          <p:cNvPr id="7" name="Picture 6">
+            <a:extLst>
+              <a:ext uri="{FF2B5EF4-FFF2-40B4-BE49-F238E27FC236}">
+                <a16:creationId xmlns:a16="http://schemas.microsoft.com/office/drawing/2014/main" id="{FF6CE94B-FAF2-D4B7-84C7-52190315E5BC}"/>
+              </a:ext>
+            </a:extLst>
+          </p:cNvPr>
+          <p:cNvPicPr>
+            <a:picLocks noChangeAspect="1"/>
+          </p:cNvPicPr>
+          <p:nvPr/>
+        </p:nvPicPr>
+        <p:blipFill>
+          <a:blip r:embed="rId2"/>
+          <a:stretch>
+            <a:fillRect/>
+          </a:stretch>
+        </p:blipFill>
+        <p:spPr>
+          <a:xfrm>
+            <a:off x="6895072" y="809338"/>
+            <a:ext cx="4915326" cy="2225233"/>
+          </a:xfrm>
+          <a:prstGeom prst="rect">
+            <a:avLst/>
+          </a:prstGeom>
+        </p:spPr>
+      </p:pic>
+      <p:pic>
+        <p:nvPicPr>
+          <p:cNvPr id="11" name="Picture 10" descr="A screenshot of a computer">
+            <a:extLst>
+              <a:ext uri="{FF2B5EF4-FFF2-40B4-BE49-F238E27FC236}">
+                <a16:creationId xmlns:a16="http://schemas.microsoft.com/office/drawing/2014/main" id="{5CFC8BBD-3DBC-877A-B939-92AD871FF774}"/>
+              </a:ext>
+            </a:extLst>
+          </p:cNvPr>
+          <p:cNvPicPr>
+            <a:picLocks noChangeAspect="1"/>
+          </p:cNvPicPr>
+          <p:nvPr/>
+        </p:nvPicPr>
+        <p:blipFill>
+          <a:blip r:embed="rId3">
+            <a:extLst>
+              <a:ext uri="{28A0092B-C50C-407E-A947-70E740481C1C}">
+                <a14:useLocalDpi xmlns:a14="http://schemas.microsoft.com/office/drawing/2010/main" val="0"/>
+              </a:ext>
+            </a:extLst>
+          </a:blip>
+          <a:stretch>
+            <a:fillRect/>
+          </a:stretch>
+        </p:blipFill>
+        <p:spPr>
+          <a:xfrm>
+            <a:off x="5734210" y="3169508"/>
+            <a:ext cx="6231636" cy="3511478"/>
+          </a:xfrm>
+          <a:prstGeom prst="rect">
+            <a:avLst/>
+          </a:prstGeom>
+        </p:spPr>
+      </p:pic>
+      <p:sp>
+        <p:nvSpPr>
+          <p:cNvPr id="12" name="Content Placeholder 2">
+            <a:extLst>
+              <a:ext uri="{FF2B5EF4-FFF2-40B4-BE49-F238E27FC236}">
+                <a16:creationId xmlns:a16="http://schemas.microsoft.com/office/drawing/2014/main" id="{D1DE8550-BC47-3270-7072-78599A01D134}"/>
+              </a:ext>
+            </a:extLst>
+          </p:cNvPr>
+          <p:cNvSpPr txBox="1">
+            <a:spLocks/>
+          </p:cNvSpPr>
+          <p:nvPr/>
+        </p:nvSpPr>
+        <p:spPr>
+          <a:xfrm>
+            <a:off x="838200" y="3169508"/>
+            <a:ext cx="4812792" cy="3048412"/>
+          </a:xfrm>
+          <a:prstGeom prst="rect">
+            <a:avLst/>
+          </a:prstGeom>
+        </p:spPr>
+        <p:txBody>
+          <a:bodyPr vert="horz" lIns="91440" tIns="45720" rIns="91440" bIns="45720" rtlCol="0">
+            <a:normAutofit/>
+          </a:bodyPr>
+          <a:lstStyle>
+            <a:lvl1pPr marL="228600" indent="-228600" algn="l" defTabSz="914400" rtl="0" eaLnBrk="1" latinLnBrk="0" hangingPunct="1">
+              <a:lnSpc>
+                <a:spcPct val="90000"/>
+              </a:lnSpc>
+              <a:spcBef>
+                <a:spcPts val="1000"/>
+              </a:spcBef>
+              <a:buFont typeface="Arial" panose="020B0604020202020204" pitchFamily="34" charset="0"/>
+              <a:buChar char="•"/>
+              <a:defRPr sz="2800" kern="1200">
                 <a:solidFill>
-                  <a:schemeClr val="bg1">
-                    <a:lumMod val="75000"/>
-                  </a:schemeClr>
+                  <a:schemeClr val="tx1"/>
                 </a:solidFill>
-              </a:rPr>
-              <a:t>How does your agent explore the world ( how does it traverse the world, when and why does it visit houses, does it have a memory?)?</a:t>
-            </a:r>
-          </a:p>
-          <a:p>
-            <a:r>
-              <a:rPr lang="en-US" i="1" dirty="0">
+                <a:latin typeface="+mn-lt"/>
+                <a:ea typeface="+mn-ea"/>
+                <a:cs typeface="+mn-cs"/>
+              </a:defRPr>
+            </a:lvl1pPr>
+            <a:lvl2pPr marL="685800" indent="-228600" algn="l" defTabSz="914400" rtl="0" eaLnBrk="1" latinLnBrk="0" hangingPunct="1">
+              <a:lnSpc>
+                <a:spcPct val="90000"/>
+              </a:lnSpc>
+              <a:spcBef>
+                <a:spcPts val="500"/>
+              </a:spcBef>
+              <a:buFont typeface="Arial" panose="020B0604020202020204" pitchFamily="34" charset="0"/>
+              <a:buChar char="•"/>
+              <a:defRPr sz="2400" kern="1200">
                 <a:solidFill>
-                  <a:schemeClr val="bg1">
-                    <a:lumMod val="75000"/>
-                  </a:schemeClr>
+                  <a:schemeClr val="tx1"/>
                 </a:solidFill>
-              </a:rPr>
-              <a:t>USE IMAGES/GIFS</a:t>
-            </a:r>
-          </a:p>
-          <a:p>
-            <a:pPr marL="0" indent="0">
-              <a:buNone/>
-            </a:pPr>
-            <a:endParaRPr lang="en-BE" dirty="0"/>
+                <a:latin typeface="+mn-lt"/>
+                <a:ea typeface="+mn-ea"/>
+                <a:cs typeface="+mn-cs"/>
+              </a:defRPr>
+            </a:lvl2pPr>
+            <a:lvl3pPr marL="1143000" indent="-228600" algn="l" defTabSz="914400" rtl="0" eaLnBrk="1" latinLnBrk="0" hangingPunct="1">
+              <a:lnSpc>
+                <a:spcPct val="90000"/>
+              </a:lnSpc>
+              <a:spcBef>
+                <a:spcPts val="500"/>
+              </a:spcBef>
+              <a:buFont typeface="Arial" panose="020B0604020202020204" pitchFamily="34" charset="0"/>
+              <a:buChar char="•"/>
+              <a:defRPr sz="2000" kern="1200">
+                <a:solidFill>
+                  <a:schemeClr val="tx1"/>
+                </a:solidFill>
+                <a:latin typeface="+mn-lt"/>
+                <a:ea typeface="+mn-ea"/>
+                <a:cs typeface="+mn-cs"/>
+              </a:defRPr>
+            </a:lvl3pPr>
+            <a:lvl4pPr marL="1600200" indent="-228600" algn="l" defTabSz="914400" rtl="0" eaLnBrk="1" latinLnBrk="0" hangingPunct="1">
+              <a:lnSpc>
+                <a:spcPct val="90000"/>
+              </a:lnSpc>
+              <a:spcBef>
+                <a:spcPts val="500"/>
+              </a:spcBef>
+              <a:buFont typeface="Arial" panose="020B0604020202020204" pitchFamily="34" charset="0"/>
+              <a:buChar char="•"/>
+              <a:defRPr sz="1800" kern="1200">
+                <a:solidFill>
+                  <a:schemeClr val="tx1"/>
+                </a:solidFill>
+                <a:latin typeface="+mn-lt"/>
+                <a:ea typeface="+mn-ea"/>
+                <a:cs typeface="+mn-cs"/>
+              </a:defRPr>
+            </a:lvl4pPr>
+            <a:lvl5pPr marL="2057400" indent="-228600" algn="l" defTabSz="914400" rtl="0" eaLnBrk="1" latinLnBrk="0" hangingPunct="1">
+              <a:lnSpc>
+                <a:spcPct val="90000"/>
+              </a:lnSpc>
+              <a:spcBef>
+                <a:spcPts val="500"/>
+              </a:spcBef>
+              <a:buFont typeface="Arial" panose="020B0604020202020204" pitchFamily="34" charset="0"/>
+              <a:buChar char="•"/>
+              <a:defRPr sz="1800" kern="1200">
+                <a:solidFill>
+                  <a:schemeClr val="tx1"/>
+                </a:solidFill>
+                <a:latin typeface="+mn-lt"/>
+                <a:ea typeface="+mn-ea"/>
+                <a:cs typeface="+mn-cs"/>
+              </a:defRPr>
+            </a:lvl5pPr>
+            <a:lvl6pPr marL="2514600" indent="-228600" algn="l" defTabSz="914400" rtl="0" eaLnBrk="1" latinLnBrk="0" hangingPunct="1">
+              <a:lnSpc>
+                <a:spcPct val="90000"/>
+              </a:lnSpc>
+              <a:spcBef>
+                <a:spcPts val="500"/>
+              </a:spcBef>
+              <a:buFont typeface="Arial" panose="020B0604020202020204" pitchFamily="34" charset="0"/>
+              <a:buChar char="•"/>
+              <a:defRPr sz="1800" kern="1200">
+                <a:solidFill>
+                  <a:schemeClr val="tx1"/>
+                </a:solidFill>
+                <a:latin typeface="+mn-lt"/>
+                <a:ea typeface="+mn-ea"/>
+                <a:cs typeface="+mn-cs"/>
+              </a:defRPr>
+            </a:lvl6pPr>
+            <a:lvl7pPr marL="2971800" indent="-228600" algn="l" defTabSz="914400" rtl="0" eaLnBrk="1" latinLnBrk="0" hangingPunct="1">
+              <a:lnSpc>
+                <a:spcPct val="90000"/>
+              </a:lnSpc>
+              <a:spcBef>
+                <a:spcPts val="500"/>
+              </a:spcBef>
+              <a:buFont typeface="Arial" panose="020B0604020202020204" pitchFamily="34" charset="0"/>
+              <a:buChar char="•"/>
+              <a:defRPr sz="1800" kern="1200">
+                <a:solidFill>
+                  <a:schemeClr val="tx1"/>
+                </a:solidFill>
+                <a:latin typeface="+mn-lt"/>
+                <a:ea typeface="+mn-ea"/>
+                <a:cs typeface="+mn-cs"/>
+              </a:defRPr>
+            </a:lvl7pPr>
+            <a:lvl8pPr marL="3429000" indent="-228600" algn="l" defTabSz="914400" rtl="0" eaLnBrk="1" latinLnBrk="0" hangingPunct="1">
+              <a:lnSpc>
+                <a:spcPct val="90000"/>
+              </a:lnSpc>
+              <a:spcBef>
+                <a:spcPts val="500"/>
+              </a:spcBef>
+              <a:buFont typeface="Arial" panose="020B0604020202020204" pitchFamily="34" charset="0"/>
+              <a:buChar char="•"/>
+              <a:defRPr sz="1800" kern="1200">
+                <a:solidFill>
+                  <a:schemeClr val="tx1"/>
+                </a:solidFill>
+                <a:latin typeface="+mn-lt"/>
+                <a:ea typeface="+mn-ea"/>
+                <a:cs typeface="+mn-cs"/>
+              </a:defRPr>
+            </a:lvl8pPr>
+            <a:lvl9pPr marL="3886200" indent="-228600" algn="l" defTabSz="914400" rtl="0" eaLnBrk="1" latinLnBrk="0" hangingPunct="1">
+              <a:lnSpc>
+                <a:spcPct val="90000"/>
+              </a:lnSpc>
+              <a:spcBef>
+                <a:spcPts val="500"/>
+              </a:spcBef>
+              <a:buFont typeface="Arial" panose="020B0604020202020204" pitchFamily="34" charset="0"/>
+              <a:buChar char="•"/>
+              <a:defRPr sz="1800" kern="1200">
+                <a:solidFill>
+                  <a:schemeClr val="tx1"/>
+                </a:solidFill>
+                <a:latin typeface="+mn-lt"/>
+                <a:ea typeface="+mn-ea"/>
+                <a:cs typeface="+mn-cs"/>
+              </a:defRPr>
+            </a:lvl9pPr>
+          </a:lstStyle>
+          <a:p>
+            <a:r>
+              <a:rPr lang="en-US" dirty="0"/>
+              <a:t>When we have no more important tasks -&gt; Explore</a:t>
+            </a:r>
+          </a:p>
+          <a:p>
+            <a:r>
+              <a:rPr lang="en-US" dirty="0"/>
+              <a:t>Gets small range of cells to explore, when everything is explored the range gets bigger</a:t>
+            </a:r>
           </a:p>
         </p:txBody>
       </p:sp>
@@ -4160,56 +4646,12 @@
           </a:p>
         </p:txBody>
       </p:sp>
-      <p:sp>
-        <p:nvSpPr>
-          <p:cNvPr id="3" name="Content Placeholder 2">
-            <a:extLst>
-              <a:ext uri="{FF2B5EF4-FFF2-40B4-BE49-F238E27FC236}">
-                <a16:creationId xmlns:a16="http://schemas.microsoft.com/office/drawing/2014/main" id="{64915428-ACD8-4B22-96DC-2806680ED3AB}"/>
-              </a:ext>
-            </a:extLst>
-          </p:cNvPr>
-          <p:cNvSpPr>
-            <a:spLocks noGrp="1"/>
-          </p:cNvSpPr>
-          <p:nvPr>
-            <p:ph idx="1"/>
-          </p:nvPr>
-        </p:nvSpPr>
-        <p:spPr/>
-        <p:txBody>
-          <a:bodyPr/>
-          <a:lstStyle/>
-          <a:p>
-            <a:pPr marL="0" indent="0">
-              <a:buNone/>
-            </a:pPr>
-            <a:r>
-              <a:rPr lang="en-US" dirty="0">
-                <a:solidFill>
-                  <a:schemeClr val="bg1">
-                    <a:lumMod val="75000"/>
-                  </a:schemeClr>
-                </a:solidFill>
-              </a:rPr>
-              <a:t>Screen shot or list of highest scores</a:t>
-            </a:r>
-            <a:endParaRPr lang="en-BE" dirty="0">
-              <a:solidFill>
-                <a:schemeClr val="bg1">
-                  <a:lumMod val="75000"/>
-                </a:schemeClr>
-              </a:solidFill>
-            </a:endParaRPr>
-          </a:p>
-        </p:txBody>
-      </p:sp>
       <p:pic>
         <p:nvPicPr>
-          <p:cNvPr id="7" name="Picture 6">
-            <a:extLst>
-              <a:ext uri="{FF2B5EF4-FFF2-40B4-BE49-F238E27FC236}">
-                <a16:creationId xmlns:a16="http://schemas.microsoft.com/office/drawing/2014/main" id="{F0442907-B95D-CF4C-45A4-6B806068EB84}"/>
+          <p:cNvPr id="13" name="Picture 12">
+            <a:extLst>
+              <a:ext uri="{FF2B5EF4-FFF2-40B4-BE49-F238E27FC236}">
+                <a16:creationId xmlns:a16="http://schemas.microsoft.com/office/drawing/2014/main" id="{DF11751F-EEBB-0470-BB71-F93C8CBF6A15}"/>
               </a:ext>
             </a:extLst>
           </p:cNvPr>
@@ -4226,8 +4668,8 @@
         </p:blipFill>
         <p:spPr>
           <a:xfrm>
-            <a:off x="8501386" y="3217742"/>
-            <a:ext cx="3218666" cy="3275133"/>
+            <a:off x="6604235" y="1937584"/>
+            <a:ext cx="2335600" cy="2379460"/>
           </a:xfrm>
           <a:prstGeom prst="rect">
             <a:avLst/>
@@ -4236,10 +4678,10 @@
       </p:pic>
       <p:pic>
         <p:nvPicPr>
-          <p:cNvPr id="11" name="Picture 10">
-            <a:extLst>
-              <a:ext uri="{FF2B5EF4-FFF2-40B4-BE49-F238E27FC236}">
-                <a16:creationId xmlns:a16="http://schemas.microsoft.com/office/drawing/2014/main" id="{8B703BC1-808C-E899-5140-4C736B462863}"/>
+          <p:cNvPr id="5" name="Picture 4">
+            <a:extLst>
+              <a:ext uri="{FF2B5EF4-FFF2-40B4-BE49-F238E27FC236}">
+                <a16:creationId xmlns:a16="http://schemas.microsoft.com/office/drawing/2014/main" id="{FA17BD4F-4677-1151-225E-90AF6DF3EDB2}"/>
               </a:ext>
             </a:extLst>
           </p:cNvPr>
@@ -4256,8 +4698,8 @@
         </p:blipFill>
         <p:spPr>
           <a:xfrm>
-            <a:off x="838200" y="4051030"/>
-            <a:ext cx="2154029" cy="2125933"/>
+            <a:off x="1471403" y="1795640"/>
+            <a:ext cx="3816096" cy="3949216"/>
           </a:xfrm>
           <a:prstGeom prst="rect">
             <a:avLst/>
@@ -4266,10 +4708,10 @@
       </p:pic>
       <p:pic>
         <p:nvPicPr>
-          <p:cNvPr id="13" name="Picture 12">
-            <a:extLst>
-              <a:ext uri="{FF2B5EF4-FFF2-40B4-BE49-F238E27FC236}">
-                <a16:creationId xmlns:a16="http://schemas.microsoft.com/office/drawing/2014/main" id="{DF11751F-EEBB-0470-BB71-F93C8CBF6A15}"/>
+          <p:cNvPr id="6" name="Picture 5">
+            <a:extLst>
+              <a:ext uri="{FF2B5EF4-FFF2-40B4-BE49-F238E27FC236}">
+                <a16:creationId xmlns:a16="http://schemas.microsoft.com/office/drawing/2014/main" id="{0B3CC3FA-D343-D13C-E711-E076BDAACAF6}"/>
               </a:ext>
             </a:extLst>
           </p:cNvPr>
@@ -4286,38 +4728,8 @@
         </p:blipFill>
         <p:spPr>
           <a:xfrm>
-            <a:off x="3548640" y="3097289"/>
-            <a:ext cx="2335600" cy="2379460"/>
-          </a:xfrm>
-          <a:prstGeom prst="rect">
-            <a:avLst/>
-          </a:prstGeom>
-        </p:spPr>
-      </p:pic>
-      <p:pic>
-        <p:nvPicPr>
-          <p:cNvPr id="5" name="Picture 4">
-            <a:extLst>
-              <a:ext uri="{FF2B5EF4-FFF2-40B4-BE49-F238E27FC236}">
-                <a16:creationId xmlns:a16="http://schemas.microsoft.com/office/drawing/2014/main" id="{FA17BD4F-4677-1151-225E-90AF6DF3EDB2}"/>
-              </a:ext>
-            </a:extLst>
-          </p:cNvPr>
-          <p:cNvPicPr>
-            <a:picLocks noChangeAspect="1"/>
-          </p:cNvPicPr>
-          <p:nvPr/>
-        </p:nvPicPr>
-        <p:blipFill>
-          <a:blip r:embed="rId5"/>
-          <a:stretch>
-            <a:fillRect/>
-          </a:stretch>
-        </p:blipFill>
-        <p:spPr>
-          <a:xfrm>
-            <a:off x="5999903" y="2983936"/>
-            <a:ext cx="1966130" cy="2034716"/>
+            <a:off x="9336677" y="1937584"/>
+            <a:ext cx="2369493" cy="2425114"/>
           </a:xfrm>
           <a:prstGeom prst="rect">
             <a:avLst/>
@@ -4633,30 +5045,6 @@
 </file>
 
 <file path=customXml/item1.xml><?xml version="1.0" encoding="utf-8"?>
-<p:properties xmlns:p="http://schemas.microsoft.com/office/2006/metadata/properties" xmlns:xsi="http://www.w3.org/2001/XMLSchema-instance" xmlns:pc="http://schemas.microsoft.com/office/infopath/2007/PartnerControls">
-  <documentManagement>
-    <IconOverlay xmlns="http://schemas.microsoft.com/sharepoint/v4" xsi:nil="true"/>
-    <TaxCatchAll xmlns="128482ec-0431-40d5-ab26-89ea2a4f3ccd" xsi:nil="true"/>
-    <m99485b88215436a82099f8287cba0b0 xmlns="128482ec-0431-40d5-ab26-89ea2a4f3ccd">
-      <Terms xmlns="http://schemas.microsoft.com/office/infopath/2007/PartnerControls"/>
-    </m99485b88215436a82099f8287cba0b0>
-    <lcf76f155ced4ddcb4097134ff3c332f xmlns="60eb0cf4-ae2a-4762-800a-cb593b869ecb">
-      <Terms xmlns="http://schemas.microsoft.com/office/infopath/2007/PartnerControls"/>
-    </lcf76f155ced4ddcb4097134ff3c332f>
-  </documentManagement>
-</p:properties>
-</file>
-
-<file path=customXml/item2.xml><?xml version="1.0" encoding="utf-8"?>
-<?mso-contentType ?>
-<FormTemplates xmlns="http://schemas.microsoft.com/sharepoint/v3/contenttype/forms">
-  <Display>DocumentLibraryForm</Display>
-  <Edit>DocumentLibraryForm</Edit>
-  <New>DocumentLibraryForm</New>
-</FormTemplates>
-</file>
-
-<file path=customXml/item3.xml><?xml version="1.0" encoding="utf-8"?>
 <ct:contentTypeSchema xmlns:ct="http://schemas.microsoft.com/office/2006/metadata/contentType" xmlns:ma="http://schemas.microsoft.com/office/2006/metadata/properties/metaAttributes" ct:_="" ma:_="" ma:contentTypeName="Document" ma:contentTypeID="0x010100723942CCEB3A674D8F1F6472CCEFB38E" ma:contentTypeVersion="11" ma:contentTypeDescription="Create a new document." ma:contentTypeScope="" ma:versionID="e4de40d148e029d40e3aaddc8bf68a5e">
   <xsd:schema xmlns:xsd="http://www.w3.org/2001/XMLSchema" xmlns:xs="http://www.w3.org/2001/XMLSchema" xmlns:p="http://schemas.microsoft.com/office/2006/metadata/properties" xmlns:ns2="128482ec-0431-40d5-ab26-89ea2a4f3ccd" xmlns:ns3="60eb0cf4-ae2a-4762-800a-cb593b869ecb" xmlns:ns4="http://schemas.microsoft.com/sharepoint/v4" xmlns:ns5="a2e691a9-fcfc-4d85-a390-1894fe98bd9e" targetNamespace="http://schemas.microsoft.com/office/2006/metadata/properties" ma:root="true" ma:fieldsID="fce8e8bd091658f3fe51b22d57dec109" ns2:_="" ns3:_="" ns4:_="" ns5:_="">
     <xsd:import namespace="128482ec-0431-40d5-ab26-89ea2a4f3ccd"/>
@@ -4929,27 +5317,31 @@
 </ct:contentTypeSchema>
 </file>
 
-<file path=customXml/itemProps1.xml><?xml version="1.0" encoding="utf-8"?>
-<ds:datastoreItem xmlns:ds="http://schemas.openxmlformats.org/officeDocument/2006/customXml" ds:itemID="{B743389A-7EE0-4951-8919-E91DD69E3687}">
-  <ds:schemaRefs>
-    <ds:schemaRef ds:uri="128482ec-0431-40d5-ab26-89ea2a4f3ccd"/>
-    <ds:schemaRef ds:uri="http://schemas.microsoft.com/office/2006/metadata/properties"/>
-    <ds:schemaRef ds:uri="http://schemas.microsoft.com/office/infopath/2007/PartnerControls"/>
-    <ds:schemaRef ds:uri="http://schemas.microsoft.com/sharepoint/v4"/>
-    <ds:schemaRef ds:uri="60eb0cf4-ae2a-4762-800a-cb593b869ecb"/>
-  </ds:schemaRefs>
-</ds:datastoreItem>
+<file path=customXml/item2.xml><?xml version="1.0" encoding="utf-8"?>
+<?mso-contentType ?>
+<FormTemplates xmlns="http://schemas.microsoft.com/sharepoint/v3/contenttype/forms">
+  <Display>DocumentLibraryForm</Display>
+  <Edit>DocumentLibraryForm</Edit>
+  <New>DocumentLibraryForm</New>
+</FormTemplates>
 </file>
 
-<file path=customXml/itemProps2.xml><?xml version="1.0" encoding="utf-8"?>
-<ds:datastoreItem xmlns:ds="http://schemas.openxmlformats.org/officeDocument/2006/customXml" ds:itemID="{AF8EC6D1-CB19-4400-AD0A-0C75CD884AEA}">
-  <ds:schemaRefs>
-    <ds:schemaRef ds:uri="http://schemas.microsoft.com/sharepoint/v3/contenttype/forms"/>
-  </ds:schemaRefs>
-</ds:datastoreItem>
+<file path=customXml/item3.xml><?xml version="1.0" encoding="utf-8"?>
+<p:properties xmlns:p="http://schemas.microsoft.com/office/2006/metadata/properties" xmlns:xsi="http://www.w3.org/2001/XMLSchema-instance" xmlns:pc="http://schemas.microsoft.com/office/infopath/2007/PartnerControls">
+  <documentManagement>
+    <IconOverlay xmlns="http://schemas.microsoft.com/sharepoint/v4" xsi:nil="true"/>
+    <TaxCatchAll xmlns="128482ec-0431-40d5-ab26-89ea2a4f3ccd" xsi:nil="true"/>
+    <m99485b88215436a82099f8287cba0b0 xmlns="128482ec-0431-40d5-ab26-89ea2a4f3ccd">
+      <Terms xmlns="http://schemas.microsoft.com/office/infopath/2007/PartnerControls"/>
+    </m99485b88215436a82099f8287cba0b0>
+    <lcf76f155ced4ddcb4097134ff3c332f xmlns="60eb0cf4-ae2a-4762-800a-cb593b869ecb">
+      <Terms xmlns="http://schemas.microsoft.com/office/infopath/2007/PartnerControls"/>
+    </lcf76f155ced4ddcb4097134ff3c332f>
+  </documentManagement>
+</p:properties>
 </file>
 
-<file path=customXml/itemProps3.xml><?xml version="1.0" encoding="utf-8"?>
+<file path=customXml/itemProps1.xml><?xml version="1.0" encoding="utf-8"?>
 <ds:datastoreItem xmlns:ds="http://schemas.openxmlformats.org/officeDocument/2006/customXml" ds:itemID="{D7B8C5DE-3345-4025-A942-C5AA68E55545}">
   <ds:schemaRefs>
     <ds:schemaRef ds:uri="http://schemas.microsoft.com/office/2006/metadata/contentType"/>
@@ -4968,4 +5360,24 @@
     <ds:schemaRef ds:uri="http://schemas.microsoft.com/internal/obd"/>
   </ds:schemaRefs>
 </ds:datastoreItem>
+</file>
+
+<file path=customXml/itemProps2.xml><?xml version="1.0" encoding="utf-8"?>
+<ds:datastoreItem xmlns:ds="http://schemas.openxmlformats.org/officeDocument/2006/customXml" ds:itemID="{AF8EC6D1-CB19-4400-AD0A-0C75CD884AEA}">
+  <ds:schemaRefs>
+    <ds:schemaRef ds:uri="http://schemas.microsoft.com/sharepoint/v3/contenttype/forms"/>
+  </ds:schemaRefs>
+</ds:datastoreItem>
+</file>
+
+<file path=customXml/itemProps3.xml><?xml version="1.0" encoding="utf-8"?>
+<ds:datastoreItem xmlns:ds="http://schemas.openxmlformats.org/officeDocument/2006/customXml" ds:itemID="{B743389A-7EE0-4951-8919-E91DD69E3687}">
+  <ds:schemaRefs>
+    <ds:schemaRef ds:uri="128482ec-0431-40d5-ab26-89ea2a4f3ccd"/>
+    <ds:schemaRef ds:uri="http://schemas.microsoft.com/office/2006/metadata/properties"/>
+    <ds:schemaRef ds:uri="http://schemas.microsoft.com/office/infopath/2007/PartnerControls"/>
+    <ds:schemaRef ds:uri="http://schemas.microsoft.com/sharepoint/v4"/>
+    <ds:schemaRef ds:uri="60eb0cf4-ae2a-4762-800a-cb593b869ecb"/>
+  </ds:schemaRefs>
+</ds:datastoreItem>
 </file>
--- a/GPP_ZombieAI_LastNameFirstName_2DAEXX.pptx
+++ b/GPP_ZombieAI_LastNameFirstName_2DAEXX.pptx
@@ -4648,10 +4648,10 @@
       </p:sp>
       <p:pic>
         <p:nvPicPr>
-          <p:cNvPr id="13" name="Picture 12">
-            <a:extLst>
-              <a:ext uri="{FF2B5EF4-FFF2-40B4-BE49-F238E27FC236}">
-                <a16:creationId xmlns:a16="http://schemas.microsoft.com/office/drawing/2014/main" id="{DF11751F-EEBB-0470-BB71-F93C8CBF6A15}"/>
+          <p:cNvPr id="5" name="Picture 4">
+            <a:extLst>
+              <a:ext uri="{FF2B5EF4-FFF2-40B4-BE49-F238E27FC236}">
+                <a16:creationId xmlns:a16="http://schemas.microsoft.com/office/drawing/2014/main" id="{FA17BD4F-4677-1151-225E-90AF6DF3EDB2}"/>
               </a:ext>
             </a:extLst>
           </p:cNvPr>
@@ -4668,8 +4668,8 @@
         </p:blipFill>
         <p:spPr>
           <a:xfrm>
-            <a:off x="6604235" y="1937584"/>
-            <a:ext cx="2335600" cy="2379460"/>
+            <a:off x="809185" y="1731625"/>
+            <a:ext cx="3336630" cy="3453024"/>
           </a:xfrm>
           <a:prstGeom prst="rect">
             <a:avLst/>
@@ -4678,10 +4678,10 @@
       </p:pic>
       <p:pic>
         <p:nvPicPr>
-          <p:cNvPr id="5" name="Picture 4">
-            <a:extLst>
-              <a:ext uri="{FF2B5EF4-FFF2-40B4-BE49-F238E27FC236}">
-                <a16:creationId xmlns:a16="http://schemas.microsoft.com/office/drawing/2014/main" id="{FA17BD4F-4677-1151-225E-90AF6DF3EDB2}"/>
+          <p:cNvPr id="4" name="Picture 3">
+            <a:extLst>
+              <a:ext uri="{FF2B5EF4-FFF2-40B4-BE49-F238E27FC236}">
+                <a16:creationId xmlns:a16="http://schemas.microsoft.com/office/drawing/2014/main" id="{B572F087-2C57-4374-06C0-18CE66A63C05}"/>
               </a:ext>
             </a:extLst>
           </p:cNvPr>
@@ -4698,8 +4698,8 @@
         </p:blipFill>
         <p:spPr>
           <a:xfrm>
-            <a:off x="1471403" y="1795640"/>
-            <a:ext cx="3816096" cy="3949216"/>
+            <a:off x="8046184" y="1690689"/>
+            <a:ext cx="3307616" cy="3493960"/>
           </a:xfrm>
           <a:prstGeom prst="rect">
             <a:avLst/>
@@ -4708,10 +4708,10 @@
       </p:pic>
       <p:pic>
         <p:nvPicPr>
-          <p:cNvPr id="6" name="Picture 5">
-            <a:extLst>
-              <a:ext uri="{FF2B5EF4-FFF2-40B4-BE49-F238E27FC236}">
-                <a16:creationId xmlns:a16="http://schemas.microsoft.com/office/drawing/2014/main" id="{0B3CC3FA-D343-D13C-E711-E076BDAACAF6}"/>
+          <p:cNvPr id="7" name="Picture 6">
+            <a:extLst>
+              <a:ext uri="{FF2B5EF4-FFF2-40B4-BE49-F238E27FC236}">
+                <a16:creationId xmlns:a16="http://schemas.microsoft.com/office/drawing/2014/main" id="{4AD7BC54-64C5-5175-53EC-CFDCBD54C364}"/>
               </a:ext>
             </a:extLst>
           </p:cNvPr>
@@ -4728,8 +4728,8 @@
         </p:blipFill>
         <p:spPr>
           <a:xfrm>
-            <a:off x="9336677" y="1937584"/>
-            <a:ext cx="2369493" cy="2425114"/>
+            <a:off x="4431425" y="1682020"/>
+            <a:ext cx="3329149" cy="3493960"/>
           </a:xfrm>
           <a:prstGeom prst="rect">
             <a:avLst/>
@@ -5045,6 +5045,21 @@
 </file>
 
 <file path=customXml/item1.xml><?xml version="1.0" encoding="utf-8"?>
+<p:properties xmlns:p="http://schemas.microsoft.com/office/2006/metadata/properties" xmlns:xsi="http://www.w3.org/2001/XMLSchema-instance" xmlns:pc="http://schemas.microsoft.com/office/infopath/2007/PartnerControls">
+  <documentManagement>
+    <IconOverlay xmlns="http://schemas.microsoft.com/sharepoint/v4" xsi:nil="true"/>
+    <TaxCatchAll xmlns="128482ec-0431-40d5-ab26-89ea2a4f3ccd" xsi:nil="true"/>
+    <m99485b88215436a82099f8287cba0b0 xmlns="128482ec-0431-40d5-ab26-89ea2a4f3ccd">
+      <Terms xmlns="http://schemas.microsoft.com/office/infopath/2007/PartnerControls"/>
+    </m99485b88215436a82099f8287cba0b0>
+    <lcf76f155ced4ddcb4097134ff3c332f xmlns="60eb0cf4-ae2a-4762-800a-cb593b869ecb">
+      <Terms xmlns="http://schemas.microsoft.com/office/infopath/2007/PartnerControls"/>
+    </lcf76f155ced4ddcb4097134ff3c332f>
+  </documentManagement>
+</p:properties>
+</file>
+
+<file path=customXml/item2.xml><?xml version="1.0" encoding="utf-8"?>
 <ct:contentTypeSchema xmlns:ct="http://schemas.microsoft.com/office/2006/metadata/contentType" xmlns:ma="http://schemas.microsoft.com/office/2006/metadata/properties/metaAttributes" ct:_="" ma:_="" ma:contentTypeName="Document" ma:contentTypeID="0x010100723942CCEB3A674D8F1F6472CCEFB38E" ma:contentTypeVersion="11" ma:contentTypeDescription="Create a new document." ma:contentTypeScope="" ma:versionID="e4de40d148e029d40e3aaddc8bf68a5e">
   <xsd:schema xmlns:xsd="http://www.w3.org/2001/XMLSchema" xmlns:xs="http://www.w3.org/2001/XMLSchema" xmlns:p="http://schemas.microsoft.com/office/2006/metadata/properties" xmlns:ns2="128482ec-0431-40d5-ab26-89ea2a4f3ccd" xmlns:ns3="60eb0cf4-ae2a-4762-800a-cb593b869ecb" xmlns:ns4="http://schemas.microsoft.com/sharepoint/v4" xmlns:ns5="a2e691a9-fcfc-4d85-a390-1894fe98bd9e" targetNamespace="http://schemas.microsoft.com/office/2006/metadata/properties" ma:root="true" ma:fieldsID="fce8e8bd091658f3fe51b22d57dec109" ns2:_="" ns3:_="" ns4:_="" ns5:_="">
     <xsd:import namespace="128482ec-0431-40d5-ab26-89ea2a4f3ccd"/>
@@ -5317,7 +5332,7 @@
 </ct:contentTypeSchema>
 </file>
 
-<file path=customXml/item2.xml><?xml version="1.0" encoding="utf-8"?>
+<file path=customXml/item3.xml><?xml version="1.0" encoding="utf-8"?>
 <?mso-contentType ?>
 <FormTemplates xmlns="http://schemas.microsoft.com/sharepoint/v3/contenttype/forms">
   <Display>DocumentLibraryForm</Display>
@@ -5326,22 +5341,19 @@
 </FormTemplates>
 </file>
 
-<file path=customXml/item3.xml><?xml version="1.0" encoding="utf-8"?>
-<p:properties xmlns:p="http://schemas.microsoft.com/office/2006/metadata/properties" xmlns:xsi="http://www.w3.org/2001/XMLSchema-instance" xmlns:pc="http://schemas.microsoft.com/office/infopath/2007/PartnerControls">
-  <documentManagement>
-    <IconOverlay xmlns="http://schemas.microsoft.com/sharepoint/v4" xsi:nil="true"/>
-    <TaxCatchAll xmlns="128482ec-0431-40d5-ab26-89ea2a4f3ccd" xsi:nil="true"/>
-    <m99485b88215436a82099f8287cba0b0 xmlns="128482ec-0431-40d5-ab26-89ea2a4f3ccd">
-      <Terms xmlns="http://schemas.microsoft.com/office/infopath/2007/PartnerControls"/>
-    </m99485b88215436a82099f8287cba0b0>
-    <lcf76f155ced4ddcb4097134ff3c332f xmlns="60eb0cf4-ae2a-4762-800a-cb593b869ecb">
-      <Terms xmlns="http://schemas.microsoft.com/office/infopath/2007/PartnerControls"/>
-    </lcf76f155ced4ddcb4097134ff3c332f>
-  </documentManagement>
-</p:properties>
+<file path=customXml/itemProps1.xml><?xml version="1.0" encoding="utf-8"?>
+<ds:datastoreItem xmlns:ds="http://schemas.openxmlformats.org/officeDocument/2006/customXml" ds:itemID="{B743389A-7EE0-4951-8919-E91DD69E3687}">
+  <ds:schemaRefs>
+    <ds:schemaRef ds:uri="128482ec-0431-40d5-ab26-89ea2a4f3ccd"/>
+    <ds:schemaRef ds:uri="http://schemas.microsoft.com/office/2006/metadata/properties"/>
+    <ds:schemaRef ds:uri="http://schemas.microsoft.com/office/infopath/2007/PartnerControls"/>
+    <ds:schemaRef ds:uri="http://schemas.microsoft.com/sharepoint/v4"/>
+    <ds:schemaRef ds:uri="60eb0cf4-ae2a-4762-800a-cb593b869ecb"/>
+  </ds:schemaRefs>
+</ds:datastoreItem>
 </file>
 
-<file path=customXml/itemProps1.xml><?xml version="1.0" encoding="utf-8"?>
+<file path=customXml/itemProps2.xml><?xml version="1.0" encoding="utf-8"?>
 <ds:datastoreItem xmlns:ds="http://schemas.openxmlformats.org/officeDocument/2006/customXml" ds:itemID="{D7B8C5DE-3345-4025-A942-C5AA68E55545}">
   <ds:schemaRefs>
     <ds:schemaRef ds:uri="http://schemas.microsoft.com/office/2006/metadata/contentType"/>
@@ -5362,22 +5374,10 @@
 </ds:datastoreItem>
 </file>
 
-<file path=customXml/itemProps2.xml><?xml version="1.0" encoding="utf-8"?>
+<file path=customXml/itemProps3.xml><?xml version="1.0" encoding="utf-8"?>
 <ds:datastoreItem xmlns:ds="http://schemas.openxmlformats.org/officeDocument/2006/customXml" ds:itemID="{AF8EC6D1-CB19-4400-AD0A-0C75CD884AEA}">
   <ds:schemaRefs>
     <ds:schemaRef ds:uri="http://schemas.microsoft.com/sharepoint/v3/contenttype/forms"/>
   </ds:schemaRefs>
 </ds:datastoreItem>
-</file>
-
-<file path=customXml/itemProps3.xml><?xml version="1.0" encoding="utf-8"?>
-<ds:datastoreItem xmlns:ds="http://schemas.openxmlformats.org/officeDocument/2006/customXml" ds:itemID="{B743389A-7EE0-4951-8919-E91DD69E3687}">
-  <ds:schemaRefs>
-    <ds:schemaRef ds:uri="128482ec-0431-40d5-ab26-89ea2a4f3ccd"/>
-    <ds:schemaRef ds:uri="http://schemas.microsoft.com/office/2006/metadata/properties"/>
-    <ds:schemaRef ds:uri="http://schemas.microsoft.com/office/infopath/2007/PartnerControls"/>
-    <ds:schemaRef ds:uri="http://schemas.microsoft.com/sharepoint/v4"/>
-    <ds:schemaRef ds:uri="60eb0cf4-ae2a-4762-800a-cb593b869ecb"/>
-  </ds:schemaRefs>
-</ds:datastoreItem>
 </file>